--- a/Kapitel10/Kapitel10.pptx
+++ b/Kapitel10/Kapitel10.pptx
@@ -104,6 +104,11 @@
       </a:defRPr>
     </a:lvl9pPr>
   </p:defaultTextStyle>
+  <p:extLst>
+    <p:ext uri="{EFAFB233-063F-42B5-8137-9DF3F51BA10A}">
+      <p15:sldGuideLst xmlns:p15="http://schemas.microsoft.com/office/powerpoint/2012/main"/>
+    </p:ext>
+  </p:extLst>
 </p:presentation>
 </file>
 
@@ -254,7 +259,7 @@
           <a:p>
             <a:fld id="{FD01A4FF-D065-430E-96CF-4F113EB65F33}" type="datetimeFigureOut">
               <a:rPr lang="de-DE" smtClean="0"/>
-              <a:t>21.09.2019</a:t>
+              <a:t>22.09.2019</a:t>
             </a:fld>
             <a:endParaRPr lang="de-DE"/>
           </a:p>
@@ -452,7 +457,7 @@
           <a:p>
             <a:fld id="{FD01A4FF-D065-430E-96CF-4F113EB65F33}" type="datetimeFigureOut">
               <a:rPr lang="de-DE" smtClean="0"/>
-              <a:t>21.09.2019</a:t>
+              <a:t>22.09.2019</a:t>
             </a:fld>
             <a:endParaRPr lang="de-DE"/>
           </a:p>
@@ -660,7 +665,7 @@
           <a:p>
             <a:fld id="{FD01A4FF-D065-430E-96CF-4F113EB65F33}" type="datetimeFigureOut">
               <a:rPr lang="de-DE" smtClean="0"/>
-              <a:t>21.09.2019</a:t>
+              <a:t>22.09.2019</a:t>
             </a:fld>
             <a:endParaRPr lang="de-DE"/>
           </a:p>
@@ -858,7 +863,7 @@
           <a:p>
             <a:fld id="{FD01A4FF-D065-430E-96CF-4F113EB65F33}" type="datetimeFigureOut">
               <a:rPr lang="de-DE" smtClean="0"/>
-              <a:t>21.09.2019</a:t>
+              <a:t>22.09.2019</a:t>
             </a:fld>
             <a:endParaRPr lang="de-DE"/>
           </a:p>
@@ -1133,7 +1138,7 @@
           <a:p>
             <a:fld id="{FD01A4FF-D065-430E-96CF-4F113EB65F33}" type="datetimeFigureOut">
               <a:rPr lang="de-DE" smtClean="0"/>
-              <a:t>21.09.2019</a:t>
+              <a:t>22.09.2019</a:t>
             </a:fld>
             <a:endParaRPr lang="de-DE"/>
           </a:p>
@@ -1398,7 +1403,7 @@
           <a:p>
             <a:fld id="{FD01A4FF-D065-430E-96CF-4F113EB65F33}" type="datetimeFigureOut">
               <a:rPr lang="de-DE" smtClean="0"/>
-              <a:t>21.09.2019</a:t>
+              <a:t>22.09.2019</a:t>
             </a:fld>
             <a:endParaRPr lang="de-DE"/>
           </a:p>
@@ -1810,7 +1815,7 @@
           <a:p>
             <a:fld id="{FD01A4FF-D065-430E-96CF-4F113EB65F33}" type="datetimeFigureOut">
               <a:rPr lang="de-DE" smtClean="0"/>
-              <a:t>21.09.2019</a:t>
+              <a:t>22.09.2019</a:t>
             </a:fld>
             <a:endParaRPr lang="de-DE"/>
           </a:p>
@@ -1951,7 +1956,7 @@
           <a:p>
             <a:fld id="{FD01A4FF-D065-430E-96CF-4F113EB65F33}" type="datetimeFigureOut">
               <a:rPr lang="de-DE" smtClean="0"/>
-              <a:t>21.09.2019</a:t>
+              <a:t>22.09.2019</a:t>
             </a:fld>
             <a:endParaRPr lang="de-DE"/>
           </a:p>
@@ -2064,7 +2069,7 @@
           <a:p>
             <a:fld id="{FD01A4FF-D065-430E-96CF-4F113EB65F33}" type="datetimeFigureOut">
               <a:rPr lang="de-DE" smtClean="0"/>
-              <a:t>21.09.2019</a:t>
+              <a:t>22.09.2019</a:t>
             </a:fld>
             <a:endParaRPr lang="de-DE"/>
           </a:p>
@@ -2375,7 +2380,7 @@
           <a:p>
             <a:fld id="{FD01A4FF-D065-430E-96CF-4F113EB65F33}" type="datetimeFigureOut">
               <a:rPr lang="de-DE" smtClean="0"/>
-              <a:t>21.09.2019</a:t>
+              <a:t>22.09.2019</a:t>
             </a:fld>
             <a:endParaRPr lang="de-DE"/>
           </a:p>
@@ -2663,7 +2668,7 @@
           <a:p>
             <a:fld id="{FD01A4FF-D065-430E-96CF-4F113EB65F33}" type="datetimeFigureOut">
               <a:rPr lang="de-DE" smtClean="0"/>
-              <a:t>21.09.2019</a:t>
+              <a:t>22.09.2019</a:t>
             </a:fld>
             <a:endParaRPr lang="de-DE"/>
           </a:p>
@@ -2904,7 +2909,7 @@
           <a:p>
             <a:fld id="{FD01A4FF-D065-430E-96CF-4F113EB65F33}" type="datetimeFigureOut">
               <a:rPr lang="de-DE" smtClean="0"/>
-              <a:t>21.09.2019</a:t>
+              <a:t>22.09.2019</a:t>
             </a:fld>
             <a:endParaRPr lang="de-DE"/>
           </a:p>
@@ -3336,14 +3341,14 @@
           <p:nvPr>
             <p:extLst>
               <p:ext uri="{D42A27DB-BD31-4B8C-83A1-F6EECF244321}">
-                <p14:modId xmlns:p14="http://schemas.microsoft.com/office/powerpoint/2010/main" val="1828404524"/>
+                <p14:modId xmlns:p14="http://schemas.microsoft.com/office/powerpoint/2010/main" val="3738713365"/>
               </p:ext>
             </p:extLst>
           </p:nvPr>
         </p:nvGraphicFramePr>
         <p:xfrm>
-          <a:off x="2032000" y="719666"/>
-          <a:ext cx="8244000" cy="5278120"/>
+          <a:off x="3760500" y="1504931"/>
+          <a:ext cx="4671000" cy="3848137"/>
         </p:xfrm>
         <a:graphic>
           <a:graphicData uri="http://schemas.openxmlformats.org/drawingml/2006/table">
@@ -3352,28 +3357,28 @@
                 <a:tableStyleId>{5940675A-B579-460E-94D1-54222C63F5DA}</a:tableStyleId>
               </a:tblPr>
               <a:tblGrid>
-                <a:gridCol w="2061000">
+                <a:gridCol w="720000">
                   <a:extLst>
                     <a:ext uri="{9D8B030D-6E8A-4147-A177-3AD203B41FA5}">
                       <a16:colId xmlns:a16="http://schemas.microsoft.com/office/drawing/2014/main" val="3991647865"/>
                     </a:ext>
                   </a:extLst>
                 </a:gridCol>
-                <a:gridCol w="2061000">
+                <a:gridCol w="720000">
                   <a:extLst>
                     <a:ext uri="{9D8B030D-6E8A-4147-A177-3AD203B41FA5}">
                       <a16:colId xmlns:a16="http://schemas.microsoft.com/office/drawing/2014/main" val="1750953255"/>
                     </a:ext>
                   </a:extLst>
                 </a:gridCol>
-                <a:gridCol w="2061000">
+                <a:gridCol w="900000">
                   <a:extLst>
                     <a:ext uri="{9D8B030D-6E8A-4147-A177-3AD203B41FA5}">
                       <a16:colId xmlns:a16="http://schemas.microsoft.com/office/drawing/2014/main" val="2374690484"/>
                     </a:ext>
                   </a:extLst>
                 </a:gridCol>
-                <a:gridCol w="2061000">
+                <a:gridCol w="2331000">
                   <a:extLst>
                     <a:ext uri="{9D8B030D-6E8A-4147-A177-3AD203B41FA5}">
                       <a16:colId xmlns:a16="http://schemas.microsoft.com/office/drawing/2014/main" val="2373025827"/>
@@ -3381,7 +3386,7 @@
                   </a:extLst>
                 </a:gridCol>
               </a:tblGrid>
-              <a:tr h="370840">
+              <a:tr h="274909">
                 <a:tc>
                   <a:txBody>
                     <a:bodyPr/>
@@ -3502,7 +3507,7 @@
                   </a:ext>
                 </a:extLst>
               </a:tr>
-              <a:tr h="370840">
+              <a:tr h="274909">
                 <a:tc>
                   <a:txBody>
                     <a:bodyPr/>
@@ -3651,17 +3656,20 @@
                   </a:ext>
                 </a:extLst>
               </a:tr>
-              <a:tr h="370840">
+              <a:tr h="274909">
                 <a:tc>
                   <a:txBody>
                     <a:bodyPr/>
                     <a:lstStyle/>
                     <a:p>
                       <a:pPr algn="ctr"/>
-                      <a:endParaRPr lang="de-DE" sz="1200" dirty="0">
-                        <a:latin typeface="Arial" panose="020B0604020202020204" pitchFamily="34" charset="0"/>
-                        <a:cs typeface="Arial" panose="020B0604020202020204" pitchFamily="34" charset="0"/>
-                      </a:endParaRPr>
+                      <a:r>
+                        <a:rPr lang="de-DE" sz="1200" dirty="0">
+                          <a:latin typeface="Arial" panose="020B0604020202020204" pitchFamily="34" charset="0"/>
+                          <a:cs typeface="Arial" panose="020B0604020202020204" pitchFamily="34" charset="0"/>
+                        </a:rPr>
+                        <a:t>2</a:t>
+                      </a:r>
                     </a:p>
                   </a:txBody>
                   <a:tcPr>
@@ -3694,10 +3702,13 @@
                     <a:lstStyle/>
                     <a:p>
                       <a:pPr algn="ctr"/>
-                      <a:endParaRPr lang="de-DE" sz="1200" dirty="0">
-                        <a:latin typeface="Arial" panose="020B0604020202020204" pitchFamily="34" charset="0"/>
-                        <a:cs typeface="Arial" panose="020B0604020202020204" pitchFamily="34" charset="0"/>
-                      </a:endParaRPr>
+                      <a:r>
+                        <a:rPr lang="de-DE" sz="1200" dirty="0">
+                          <a:latin typeface="Arial" panose="020B0604020202020204" pitchFamily="34" charset="0"/>
+                          <a:cs typeface="Arial" panose="020B0604020202020204" pitchFamily="34" charset="0"/>
+                        </a:rPr>
+                        <a:t>C</a:t>
+                      </a:r>
                     </a:p>
                   </a:txBody>
                   <a:tcPr>
@@ -3854,17 +3865,20 @@
                   </a:ext>
                 </a:extLst>
               </a:tr>
-              <a:tr h="370840">
+              <a:tr h="274909">
                 <a:tc>
                   <a:txBody>
                     <a:bodyPr/>
                     <a:lstStyle/>
                     <a:p>
                       <a:pPr algn="ctr"/>
-                      <a:endParaRPr lang="de-DE" sz="1200">
-                        <a:latin typeface="Arial" panose="020B0604020202020204" pitchFamily="34" charset="0"/>
-                        <a:cs typeface="Arial" panose="020B0604020202020204" pitchFamily="34" charset="0"/>
-                      </a:endParaRPr>
+                      <a:r>
+                        <a:rPr lang="de-DE" sz="1200" dirty="0">
+                          <a:latin typeface="Arial" panose="020B0604020202020204" pitchFamily="34" charset="0"/>
+                          <a:cs typeface="Arial" panose="020B0604020202020204" pitchFamily="34" charset="0"/>
+                        </a:rPr>
+                        <a:t>3</a:t>
+                      </a:r>
                     </a:p>
                   </a:txBody>
                   <a:tcPr>
@@ -3897,10 +3911,13 @@
                     <a:lstStyle/>
                     <a:p>
                       <a:pPr algn="ctr"/>
-                      <a:endParaRPr lang="de-DE" sz="1200" dirty="0">
-                        <a:latin typeface="Arial" panose="020B0604020202020204" pitchFamily="34" charset="0"/>
-                        <a:cs typeface="Arial" panose="020B0604020202020204" pitchFamily="34" charset="0"/>
-                      </a:endParaRPr>
+                      <a:r>
+                        <a:rPr lang="de-DE" sz="1200" dirty="0">
+                          <a:latin typeface="Arial" panose="020B0604020202020204" pitchFamily="34" charset="0"/>
+                          <a:cs typeface="Arial" panose="020B0604020202020204" pitchFamily="34" charset="0"/>
+                        </a:rPr>
+                        <a:t>C</a:t>
+                      </a:r>
                     </a:p>
                   </a:txBody>
                   <a:tcPr>
@@ -4057,17 +4074,20 @@
                   </a:ext>
                 </a:extLst>
               </a:tr>
-              <a:tr h="370840">
+              <a:tr h="274909">
                 <a:tc>
                   <a:txBody>
                     <a:bodyPr/>
                     <a:lstStyle/>
                     <a:p>
                       <a:pPr algn="ctr"/>
-                      <a:endParaRPr lang="de-DE" sz="1200">
-                        <a:latin typeface="Arial" panose="020B0604020202020204" pitchFamily="34" charset="0"/>
-                        <a:cs typeface="Arial" panose="020B0604020202020204" pitchFamily="34" charset="0"/>
-                      </a:endParaRPr>
+                      <a:r>
+                        <a:rPr lang="de-DE" sz="1200" dirty="0">
+                          <a:latin typeface="Arial" panose="020B0604020202020204" pitchFamily="34" charset="0"/>
+                          <a:cs typeface="Arial" panose="020B0604020202020204" pitchFamily="34" charset="0"/>
+                        </a:rPr>
+                        <a:t>4</a:t>
+                      </a:r>
                     </a:p>
                   </a:txBody>
                   <a:tcPr>
@@ -4100,10 +4120,13 @@
                     <a:lstStyle/>
                     <a:p>
                       <a:pPr algn="ctr"/>
-                      <a:endParaRPr lang="de-DE" sz="1200" dirty="0">
-                        <a:latin typeface="Arial" panose="020B0604020202020204" pitchFamily="34" charset="0"/>
-                        <a:cs typeface="Arial" panose="020B0604020202020204" pitchFamily="34" charset="0"/>
-                      </a:endParaRPr>
+                      <a:r>
+                        <a:rPr lang="de-DE" sz="1200" dirty="0">
+                          <a:latin typeface="Arial" panose="020B0604020202020204" pitchFamily="34" charset="0"/>
+                          <a:cs typeface="Arial" panose="020B0604020202020204" pitchFamily="34" charset="0"/>
+                        </a:rPr>
+                        <a:t>C</a:t>
+                      </a:r>
                     </a:p>
                   </a:txBody>
                   <a:tcPr>
@@ -4260,17 +4283,20 @@
                   </a:ext>
                 </a:extLst>
               </a:tr>
-              <a:tr h="370840">
+              <a:tr h="274909">
                 <a:tc>
                   <a:txBody>
                     <a:bodyPr/>
                     <a:lstStyle/>
                     <a:p>
                       <a:pPr algn="ctr"/>
-                      <a:endParaRPr lang="de-DE" sz="1200">
-                        <a:latin typeface="Arial" panose="020B0604020202020204" pitchFamily="34" charset="0"/>
-                        <a:cs typeface="Arial" panose="020B0604020202020204" pitchFamily="34" charset="0"/>
-                      </a:endParaRPr>
+                      <a:r>
+                        <a:rPr lang="de-DE" sz="1200" dirty="0">
+                          <a:latin typeface="Arial" panose="020B0604020202020204" pitchFamily="34" charset="0"/>
+                          <a:cs typeface="Arial" panose="020B0604020202020204" pitchFamily="34" charset="0"/>
+                        </a:rPr>
+                        <a:t>5</a:t>
+                      </a:r>
                     </a:p>
                   </a:txBody>
                   <a:tcPr>
@@ -4303,10 +4329,13 @@
                     <a:lstStyle/>
                     <a:p>
                       <a:pPr algn="ctr"/>
-                      <a:endParaRPr lang="de-DE" sz="1200" dirty="0">
-                        <a:latin typeface="Arial" panose="020B0604020202020204" pitchFamily="34" charset="0"/>
-                        <a:cs typeface="Arial" panose="020B0604020202020204" pitchFamily="34" charset="0"/>
-                      </a:endParaRPr>
+                      <a:r>
+                        <a:rPr lang="de-DE" sz="1200" dirty="0">
+                          <a:latin typeface="Arial" panose="020B0604020202020204" pitchFamily="34" charset="0"/>
+                          <a:cs typeface="Arial" panose="020B0604020202020204" pitchFamily="34" charset="0"/>
+                        </a:rPr>
+                        <a:t>C</a:t>
+                      </a:r>
                     </a:p>
                   </a:txBody>
                   <a:tcPr>
@@ -4463,17 +4492,20 @@
                   </a:ext>
                 </a:extLst>
               </a:tr>
-              <a:tr h="370840">
+              <a:tr h="252000">
                 <a:tc>
                   <a:txBody>
                     <a:bodyPr/>
                     <a:lstStyle/>
                     <a:p>
                       <a:pPr algn="ctr"/>
-                      <a:endParaRPr lang="de-DE" sz="1200">
-                        <a:latin typeface="Arial" panose="020B0604020202020204" pitchFamily="34" charset="0"/>
-                        <a:cs typeface="Arial" panose="020B0604020202020204" pitchFamily="34" charset="0"/>
-                      </a:endParaRPr>
+                      <a:r>
+                        <a:rPr lang="de-DE" sz="1200" dirty="0">
+                          <a:latin typeface="Arial" panose="020B0604020202020204" pitchFamily="34" charset="0"/>
+                          <a:cs typeface="Arial" panose="020B0604020202020204" pitchFamily="34" charset="0"/>
+                        </a:rPr>
+                        <a:t>6</a:t>
+                      </a:r>
                     </a:p>
                   </a:txBody>
                   <a:tcPr>
@@ -4506,10 +4538,13 @@
                     <a:lstStyle/>
                     <a:p>
                       <a:pPr algn="ctr"/>
-                      <a:endParaRPr lang="de-DE" sz="1200">
-                        <a:latin typeface="Arial" panose="020B0604020202020204" pitchFamily="34" charset="0"/>
-                        <a:cs typeface="Arial" panose="020B0604020202020204" pitchFamily="34" charset="0"/>
-                      </a:endParaRPr>
+                      <a:r>
+                        <a:rPr lang="de-DE" sz="1200" dirty="0">
+                          <a:latin typeface="Arial" panose="020B0604020202020204" pitchFamily="34" charset="0"/>
+                          <a:cs typeface="Arial" panose="020B0604020202020204" pitchFamily="34" charset="0"/>
+                        </a:rPr>
+                        <a:t>C</a:t>
+                      </a:r>
                     </a:p>
                   </a:txBody>
                   <a:tcPr>
@@ -4666,17 +4701,20 @@
                   </a:ext>
                 </a:extLst>
               </a:tr>
-              <a:tr h="370840">
+              <a:tr h="274909">
                 <a:tc>
                   <a:txBody>
                     <a:bodyPr/>
                     <a:lstStyle/>
                     <a:p>
                       <a:pPr algn="ctr"/>
-                      <a:endParaRPr lang="de-DE" sz="1200">
-                        <a:latin typeface="Arial" panose="020B0604020202020204" pitchFamily="34" charset="0"/>
-                        <a:cs typeface="Arial" panose="020B0604020202020204" pitchFamily="34" charset="0"/>
-                      </a:endParaRPr>
+                      <a:r>
+                        <a:rPr lang="de-DE" sz="1200" dirty="0">
+                          <a:latin typeface="Arial" panose="020B0604020202020204" pitchFamily="34" charset="0"/>
+                          <a:cs typeface="Arial" panose="020B0604020202020204" pitchFamily="34" charset="0"/>
+                        </a:rPr>
+                        <a:t>7</a:t>
+                      </a:r>
                     </a:p>
                   </a:txBody>
                   <a:tcPr>
@@ -4705,10 +4743,13 @@
                     <a:lstStyle/>
                     <a:p>
                       <a:pPr algn="ctr"/>
-                      <a:endParaRPr lang="de-DE" sz="1200" dirty="0">
-                        <a:latin typeface="Arial" panose="020B0604020202020204" pitchFamily="34" charset="0"/>
-                        <a:cs typeface="Arial" panose="020B0604020202020204" pitchFamily="34" charset="0"/>
-                      </a:endParaRPr>
+                      <a:r>
+                        <a:rPr lang="de-DE" sz="1200" dirty="0">
+                          <a:latin typeface="Arial" panose="020B0604020202020204" pitchFamily="34" charset="0"/>
+                          <a:cs typeface="Arial" panose="020B0604020202020204" pitchFamily="34" charset="0"/>
+                        </a:rPr>
+                        <a:t>–O</a:t>
+                      </a:r>
                     </a:p>
                   </a:txBody>
                   <a:tcPr>
@@ -4821,98 +4862,23 @@
                   </a:ext>
                 </a:extLst>
               </a:tr>
-              <a:tr h="370840">
+              <a:tr h="274909">
                 <a:tc>
                   <a:txBody>
                     <a:bodyPr/>
                     <a:lstStyle/>
                     <a:p>
                       <a:pPr algn="ctr"/>
-                      <a:endParaRPr lang="de-DE" sz="1200">
-                        <a:latin typeface="Arial" panose="020B0604020202020204" pitchFamily="34" charset="0"/>
-                        <a:cs typeface="Arial" panose="020B0604020202020204" pitchFamily="34" charset="0"/>
-                      </a:endParaRPr>
+                      <a:r>
+                        <a:rPr lang="de-DE" sz="1200" dirty="0">
+                          <a:latin typeface="Arial" panose="020B0604020202020204" pitchFamily="34" charset="0"/>
+                          <a:cs typeface="Arial" panose="020B0604020202020204" pitchFamily="34" charset="0"/>
+                        </a:rPr>
+                        <a:t>8</a:t>
+                      </a:r>
                     </a:p>
                   </a:txBody>
                   <a:tcPr>
-                    <a:lnR w="12700" cap="flat" cmpd="sng" algn="ctr">
-                      <a:noFill/>
-                      <a:prstDash val="solid"/>
-                      <a:round/>
-                      <a:headEnd type="none" w="med" len="med"/>
-                      <a:tailEnd type="none" w="med" len="med"/>
-                    </a:lnR>
-                    <a:lnT w="12700" cap="flat" cmpd="sng" algn="ctr">
-                      <a:noFill/>
-                      <a:prstDash val="solid"/>
-                      <a:round/>
-                      <a:headEnd type="none" w="med" len="med"/>
-                      <a:tailEnd type="none" w="med" len="med"/>
-                    </a:lnT>
-                    <a:lnB w="12700" cmpd="sng">
-                      <a:noFill/>
-                    </a:lnB>
-                  </a:tcPr>
-                </a:tc>
-                <a:tc>
-                  <a:txBody>
-                    <a:bodyPr/>
-                    <a:lstStyle/>
-                    <a:p>
-                      <a:pPr algn="ctr"/>
-                      <a:endParaRPr lang="de-DE" sz="1200" dirty="0">
-                        <a:latin typeface="Arial" panose="020B0604020202020204" pitchFamily="34" charset="0"/>
-                        <a:cs typeface="Arial" panose="020B0604020202020204" pitchFamily="34" charset="0"/>
-                      </a:endParaRPr>
-                    </a:p>
-                  </a:txBody>
-                  <a:tcPr>
-                    <a:lnL w="12700" cap="flat" cmpd="sng" algn="ctr">
-                      <a:noFill/>
-                      <a:prstDash val="solid"/>
-                      <a:round/>
-                      <a:headEnd type="none" w="med" len="med"/>
-                      <a:tailEnd type="none" w="med" len="med"/>
-                    </a:lnL>
-                    <a:lnR w="12700" cap="flat" cmpd="sng" algn="ctr">
-                      <a:noFill/>
-                      <a:prstDash val="solid"/>
-                      <a:round/>
-                      <a:headEnd type="none" w="med" len="med"/>
-                      <a:tailEnd type="none" w="med" len="med"/>
-                    </a:lnR>
-                    <a:lnT w="12700" cap="flat" cmpd="sng" algn="ctr">
-                      <a:noFill/>
-                      <a:prstDash val="solid"/>
-                      <a:round/>
-                      <a:headEnd type="none" w="med" len="med"/>
-                      <a:tailEnd type="none" w="med" len="med"/>
-                    </a:lnT>
-                    <a:lnB w="12700" cmpd="sng">
-                      <a:noFill/>
-                    </a:lnB>
-                  </a:tcPr>
-                </a:tc>
-                <a:tc>
-                  <a:txBody>
-                    <a:bodyPr/>
-                    <a:lstStyle/>
-                    <a:p>
-                      <a:pPr algn="ctr"/>
-                      <a:endParaRPr lang="de-DE" sz="1200" dirty="0">
-                        <a:latin typeface="Arial" panose="020B0604020202020204" pitchFamily="34" charset="0"/>
-                        <a:cs typeface="Arial" panose="020B0604020202020204" pitchFamily="34" charset="0"/>
-                      </a:endParaRPr>
-                    </a:p>
-                  </a:txBody>
-                  <a:tcPr>
-                    <a:lnL w="12700" cap="flat" cmpd="sng" algn="ctr">
-                      <a:noFill/>
-                      <a:prstDash val="solid"/>
-                      <a:round/>
-                      <a:headEnd type="none" w="med" len="med"/>
-                      <a:tailEnd type="none" w="med" len="med"/>
-                    </a:lnL>
                     <a:lnR w="12700" cap="flat" cmpd="sng" algn="ctr">
                       <a:noFill/>
                       <a:prstDash val="solid"/>
@@ -4943,19 +4909,92 @@
                           <a:latin typeface="Arial" panose="020B0604020202020204" pitchFamily="34" charset="0"/>
                           <a:cs typeface="Arial" panose="020B0604020202020204" pitchFamily="34" charset="0"/>
                         </a:rPr>
-                        <a:t>–H(–O(C–</a:t>
+                        <a:t>–H</a:t>
                       </a:r>
+                    </a:p>
+                  </a:txBody>
+                  <a:tcPr>
+                    <a:lnL w="12700" cap="flat" cmpd="sng" algn="ctr">
+                      <a:noFill/>
+                      <a:prstDash val="solid"/>
+                      <a:round/>
+                      <a:headEnd type="none" w="med" len="med"/>
+                      <a:tailEnd type="none" w="med" len="med"/>
+                    </a:lnL>
+                    <a:lnR w="12700" cap="flat" cmpd="sng" algn="ctr">
+                      <a:noFill/>
+                      <a:prstDash val="solid"/>
+                      <a:round/>
+                      <a:headEnd type="none" w="med" len="med"/>
+                      <a:tailEnd type="none" w="med" len="med"/>
+                    </a:lnR>
+                    <a:lnT w="12700" cap="flat" cmpd="sng" algn="ctr">
+                      <a:noFill/>
+                      <a:prstDash val="solid"/>
+                      <a:round/>
+                      <a:headEnd type="none" w="med" len="med"/>
+                      <a:tailEnd type="none" w="med" len="med"/>
+                    </a:lnT>
+                    <a:lnB w="12700" cmpd="sng">
+                      <a:noFill/>
+                    </a:lnB>
+                  </a:tcPr>
+                </a:tc>
+                <a:tc>
+                  <a:txBody>
+                    <a:bodyPr/>
+                    <a:lstStyle/>
+                    <a:p>
+                      <a:pPr algn="ctr"/>
                       <a:r>
-                        <a:rPr lang="de-DE" sz="1200">
+                        <a:rPr lang="de-DE" sz="1200" dirty="0">
                           <a:latin typeface="Arial" panose="020B0604020202020204" pitchFamily="34" charset="0"/>
                           <a:cs typeface="Arial" panose="020B0604020202020204" pitchFamily="34" charset="0"/>
                         </a:rPr>
-                        <a:t>H))</a:t>
+                        <a:t>–H(–O)</a:t>
                       </a:r>
-                      <a:endParaRPr lang="de-DE" sz="1200" dirty="0">
-                        <a:latin typeface="Arial" panose="020B0604020202020204" pitchFamily="34" charset="0"/>
-                        <a:cs typeface="Arial" panose="020B0604020202020204" pitchFamily="34" charset="0"/>
-                      </a:endParaRPr>
+                    </a:p>
+                  </a:txBody>
+                  <a:tcPr>
+                    <a:lnL w="12700" cap="flat" cmpd="sng" algn="ctr">
+                      <a:noFill/>
+                      <a:prstDash val="solid"/>
+                      <a:round/>
+                      <a:headEnd type="none" w="med" len="med"/>
+                      <a:tailEnd type="none" w="med" len="med"/>
+                    </a:lnL>
+                    <a:lnR w="12700" cap="flat" cmpd="sng" algn="ctr">
+                      <a:noFill/>
+                      <a:prstDash val="solid"/>
+                      <a:round/>
+                      <a:headEnd type="none" w="med" len="med"/>
+                      <a:tailEnd type="none" w="med" len="med"/>
+                    </a:lnR>
+                    <a:lnT w="12700" cap="flat" cmpd="sng" algn="ctr">
+                      <a:noFill/>
+                      <a:prstDash val="solid"/>
+                      <a:round/>
+                      <a:headEnd type="none" w="med" len="med"/>
+                      <a:tailEnd type="none" w="med" len="med"/>
+                    </a:lnT>
+                    <a:lnB w="12700" cmpd="sng">
+                      <a:noFill/>
+                    </a:lnB>
+                  </a:tcPr>
+                </a:tc>
+                <a:tc>
+                  <a:txBody>
+                    <a:bodyPr/>
+                    <a:lstStyle/>
+                    <a:p>
+                      <a:pPr algn="ctr"/>
+                      <a:r>
+                        <a:rPr lang="de-DE" sz="1200" dirty="0">
+                          <a:latin typeface="Arial" panose="020B0604020202020204" pitchFamily="34" charset="0"/>
+                          <a:cs typeface="Arial" panose="020B0604020202020204" pitchFamily="34" charset="0"/>
+                        </a:rPr>
+                        <a:t>–H(–O(C–H))</a:t>
+                      </a:r>
                     </a:p>
                   </a:txBody>
                   <a:tcPr>
@@ -4984,17 +5023,20 @@
                   </a:ext>
                 </a:extLst>
               </a:tr>
-              <a:tr h="370840">
+              <a:tr h="274909">
                 <a:tc>
                   <a:txBody>
                     <a:bodyPr/>
                     <a:lstStyle/>
                     <a:p>
                       <a:pPr algn="ctr"/>
-                      <a:endParaRPr lang="de-DE" sz="1200">
-                        <a:latin typeface="Arial" panose="020B0604020202020204" pitchFamily="34" charset="0"/>
-                        <a:cs typeface="Arial" panose="020B0604020202020204" pitchFamily="34" charset="0"/>
-                      </a:endParaRPr>
+                      <a:r>
+                        <a:rPr lang="de-DE" sz="1200" dirty="0">
+                          <a:latin typeface="Arial" panose="020B0604020202020204" pitchFamily="34" charset="0"/>
+                          <a:cs typeface="Arial" panose="020B0604020202020204" pitchFamily="34" charset="0"/>
+                        </a:rPr>
+                        <a:t>9</a:t>
+                      </a:r>
                     </a:p>
                   </a:txBody>
                   <a:tcPr>
@@ -5023,10 +5065,13 @@
                     <a:lstStyle/>
                     <a:p>
                       <a:pPr algn="ctr"/>
-                      <a:endParaRPr lang="de-DE" sz="1200" dirty="0">
-                        <a:latin typeface="Arial" panose="020B0604020202020204" pitchFamily="34" charset="0"/>
-                        <a:cs typeface="Arial" panose="020B0604020202020204" pitchFamily="34" charset="0"/>
-                      </a:endParaRPr>
+                      <a:r>
+                        <a:rPr lang="de-DE" sz="1200" dirty="0">
+                          <a:latin typeface="Arial" panose="020B0604020202020204" pitchFamily="34" charset="0"/>
+                          <a:cs typeface="Arial" panose="020B0604020202020204" pitchFamily="34" charset="0"/>
+                        </a:rPr>
+                        <a:t>–H</a:t>
+                      </a:r>
                     </a:p>
                   </a:txBody>
                   <a:tcPr>
@@ -5062,10 +5107,13 @@
                     <a:lstStyle/>
                     <a:p>
                       <a:pPr algn="ctr"/>
-                      <a:endParaRPr lang="de-DE" sz="1200" dirty="0">
-                        <a:latin typeface="Arial" panose="020B0604020202020204" pitchFamily="34" charset="0"/>
-                        <a:cs typeface="Arial" panose="020B0604020202020204" pitchFamily="34" charset="0"/>
-                      </a:endParaRPr>
+                      <a:r>
+                        <a:rPr lang="de-DE" sz="1200" dirty="0">
+                          <a:latin typeface="Arial" panose="020B0604020202020204" pitchFamily="34" charset="0"/>
+                          <a:cs typeface="Arial" panose="020B0604020202020204" pitchFamily="34" charset="0"/>
+                        </a:rPr>
+                        <a:t>–H(C)</a:t>
+                      </a:r>
                     </a:p>
                   </a:txBody>
                   <a:tcPr>
@@ -5152,17 +5200,20 @@
                   </a:ext>
                 </a:extLst>
               </a:tr>
-              <a:tr h="370840">
+              <a:tr h="274909">
                 <a:tc>
                   <a:txBody>
                     <a:bodyPr/>
                     <a:lstStyle/>
                     <a:p>
                       <a:pPr algn="ctr"/>
-                      <a:endParaRPr lang="de-DE" sz="1200">
-                        <a:latin typeface="Arial" panose="020B0604020202020204" pitchFamily="34" charset="0"/>
-                        <a:cs typeface="Arial" panose="020B0604020202020204" pitchFamily="34" charset="0"/>
-                      </a:endParaRPr>
+                      <a:r>
+                        <a:rPr lang="de-DE" sz="1200" dirty="0">
+                          <a:latin typeface="Arial" panose="020B0604020202020204" pitchFamily="34" charset="0"/>
+                          <a:cs typeface="Arial" panose="020B0604020202020204" pitchFamily="34" charset="0"/>
+                        </a:rPr>
+                        <a:t>10</a:t>
+                      </a:r>
                     </a:p>
                   </a:txBody>
                   <a:tcPr>
@@ -5191,10 +5242,13 @@
                     <a:lstStyle/>
                     <a:p>
                       <a:pPr algn="ctr"/>
-                      <a:endParaRPr lang="de-DE" sz="1200" dirty="0">
-                        <a:latin typeface="Arial" panose="020B0604020202020204" pitchFamily="34" charset="0"/>
-                        <a:cs typeface="Arial" panose="020B0604020202020204" pitchFamily="34" charset="0"/>
-                      </a:endParaRPr>
+                      <a:r>
+                        <a:rPr lang="de-DE" sz="1200" dirty="0">
+                          <a:latin typeface="Arial" panose="020B0604020202020204" pitchFamily="34" charset="0"/>
+                          <a:cs typeface="Arial" panose="020B0604020202020204" pitchFamily="34" charset="0"/>
+                        </a:rPr>
+                        <a:t>–H</a:t>
+                      </a:r>
                     </a:p>
                   </a:txBody>
                   <a:tcPr>
@@ -5229,11 +5283,30 @@
                     <a:bodyPr/>
                     <a:lstStyle/>
                     <a:p>
-                      <a:pPr algn="ctr"/>
-                      <a:endParaRPr lang="de-DE" sz="1200" dirty="0">
-                        <a:latin typeface="Arial" panose="020B0604020202020204" pitchFamily="34" charset="0"/>
-                        <a:cs typeface="Arial" panose="020B0604020202020204" pitchFamily="34" charset="0"/>
-                      </a:endParaRPr>
+                      <a:pPr marL="0" marR="0" lvl="0" indent="0" algn="ctr" defTabSz="914400" rtl="0" eaLnBrk="1" fontAlgn="auto" latinLnBrk="0" hangingPunct="1">
+                        <a:lnSpc>
+                          <a:spcPct val="100000"/>
+                        </a:lnSpc>
+                        <a:spcBef>
+                          <a:spcPts val="0"/>
+                        </a:spcBef>
+                        <a:spcAft>
+                          <a:spcPts val="0"/>
+                        </a:spcAft>
+                        <a:buClrTx/>
+                        <a:buSzTx/>
+                        <a:buFontTx/>
+                        <a:buNone/>
+                        <a:tabLst/>
+                        <a:defRPr/>
+                      </a:pPr>
+                      <a:r>
+                        <a:rPr lang="de-DE" sz="1200" dirty="0">
+                          <a:latin typeface="Arial" panose="020B0604020202020204" pitchFamily="34" charset="0"/>
+                          <a:cs typeface="Arial" panose="020B0604020202020204" pitchFamily="34" charset="0"/>
+                        </a:rPr>
+                        <a:t>–H(C)</a:t>
+                      </a:r>
                     </a:p>
                   </a:txBody>
                   <a:tcPr>
@@ -5320,17 +5393,20 @@
                   </a:ext>
                 </a:extLst>
               </a:tr>
-              <a:tr h="370840">
+              <a:tr h="274909">
                 <a:tc>
                   <a:txBody>
                     <a:bodyPr/>
                     <a:lstStyle/>
                     <a:p>
                       <a:pPr algn="ctr"/>
-                      <a:endParaRPr lang="de-DE" sz="1200">
-                        <a:latin typeface="Arial" panose="020B0604020202020204" pitchFamily="34" charset="0"/>
-                        <a:cs typeface="Arial" panose="020B0604020202020204" pitchFamily="34" charset="0"/>
-                      </a:endParaRPr>
+                      <a:r>
+                        <a:rPr lang="de-DE" sz="1200" dirty="0">
+                          <a:latin typeface="Arial" panose="020B0604020202020204" pitchFamily="34" charset="0"/>
+                          <a:cs typeface="Arial" panose="020B0604020202020204" pitchFamily="34" charset="0"/>
+                        </a:rPr>
+                        <a:t>11</a:t>
+                      </a:r>
                     </a:p>
                   </a:txBody>
                   <a:tcPr>
@@ -5359,10 +5435,13 @@
                     <a:lstStyle/>
                     <a:p>
                       <a:pPr algn="ctr"/>
-                      <a:endParaRPr lang="de-DE" sz="1200" dirty="0">
-                        <a:latin typeface="Arial" panose="020B0604020202020204" pitchFamily="34" charset="0"/>
-                        <a:cs typeface="Arial" panose="020B0604020202020204" pitchFamily="34" charset="0"/>
-                      </a:endParaRPr>
+                      <a:r>
+                        <a:rPr lang="de-DE" sz="1200" dirty="0">
+                          <a:latin typeface="Arial" panose="020B0604020202020204" pitchFamily="34" charset="0"/>
+                          <a:cs typeface="Arial" panose="020B0604020202020204" pitchFamily="34" charset="0"/>
+                        </a:rPr>
+                        <a:t>–H</a:t>
+                      </a:r>
                     </a:p>
                   </a:txBody>
                   <a:tcPr>
@@ -5397,11 +5476,30 @@
                     <a:bodyPr/>
                     <a:lstStyle/>
                     <a:p>
-                      <a:pPr algn="ctr"/>
-                      <a:endParaRPr lang="de-DE" sz="1200" dirty="0">
-                        <a:latin typeface="Arial" panose="020B0604020202020204" pitchFamily="34" charset="0"/>
-                        <a:cs typeface="Arial" panose="020B0604020202020204" pitchFamily="34" charset="0"/>
-                      </a:endParaRPr>
+                      <a:pPr marL="0" marR="0" lvl="0" indent="0" algn="ctr" defTabSz="914400" rtl="0" eaLnBrk="1" fontAlgn="auto" latinLnBrk="0" hangingPunct="1">
+                        <a:lnSpc>
+                          <a:spcPct val="100000"/>
+                        </a:lnSpc>
+                        <a:spcBef>
+                          <a:spcPts val="0"/>
+                        </a:spcBef>
+                        <a:spcAft>
+                          <a:spcPts val="0"/>
+                        </a:spcAft>
+                        <a:buClrTx/>
+                        <a:buSzTx/>
+                        <a:buFontTx/>
+                        <a:buNone/>
+                        <a:tabLst/>
+                        <a:defRPr/>
+                      </a:pPr>
+                      <a:r>
+                        <a:rPr lang="de-DE" sz="1200" dirty="0">
+                          <a:latin typeface="Arial" panose="020B0604020202020204" pitchFamily="34" charset="0"/>
+                          <a:cs typeface="Arial" panose="020B0604020202020204" pitchFamily="34" charset="0"/>
+                        </a:rPr>
+                        <a:t>–H(C)</a:t>
+                      </a:r>
                     </a:p>
                   </a:txBody>
                   <a:tcPr>
@@ -5488,17 +5586,20 @@
                   </a:ext>
                 </a:extLst>
               </a:tr>
-              <a:tr h="370840">
+              <a:tr h="274909">
                 <a:tc>
                   <a:txBody>
                     <a:bodyPr/>
                     <a:lstStyle/>
                     <a:p>
                       <a:pPr algn="ctr"/>
-                      <a:endParaRPr lang="de-DE" sz="1200">
-                        <a:latin typeface="Arial" panose="020B0604020202020204" pitchFamily="34" charset="0"/>
-                        <a:cs typeface="Arial" panose="020B0604020202020204" pitchFamily="34" charset="0"/>
-                      </a:endParaRPr>
+                      <a:r>
+                        <a:rPr lang="de-DE" sz="1200" dirty="0">
+                          <a:latin typeface="Arial" panose="020B0604020202020204" pitchFamily="34" charset="0"/>
+                          <a:cs typeface="Arial" panose="020B0604020202020204" pitchFamily="34" charset="0"/>
+                        </a:rPr>
+                        <a:t>12</a:t>
+                      </a:r>
                     </a:p>
                   </a:txBody>
                   <a:tcPr>
@@ -5527,10 +5628,13 @@
                     <a:lstStyle/>
                     <a:p>
                       <a:pPr algn="ctr"/>
-                      <a:endParaRPr lang="de-DE" sz="1200" dirty="0">
-                        <a:latin typeface="Arial" panose="020B0604020202020204" pitchFamily="34" charset="0"/>
-                        <a:cs typeface="Arial" panose="020B0604020202020204" pitchFamily="34" charset="0"/>
-                      </a:endParaRPr>
+                      <a:r>
+                        <a:rPr lang="de-DE" sz="1200" dirty="0">
+                          <a:latin typeface="Arial" panose="020B0604020202020204" pitchFamily="34" charset="0"/>
+                          <a:cs typeface="Arial" panose="020B0604020202020204" pitchFamily="34" charset="0"/>
+                        </a:rPr>
+                        <a:t>–H</a:t>
+                      </a:r>
                     </a:p>
                   </a:txBody>
                   <a:tcPr>
@@ -5565,11 +5669,30 @@
                     <a:bodyPr/>
                     <a:lstStyle/>
                     <a:p>
-                      <a:pPr algn="ctr"/>
-                      <a:endParaRPr lang="de-DE" sz="1200" dirty="0">
-                        <a:latin typeface="Arial" panose="020B0604020202020204" pitchFamily="34" charset="0"/>
-                        <a:cs typeface="Arial" panose="020B0604020202020204" pitchFamily="34" charset="0"/>
-                      </a:endParaRPr>
+                      <a:pPr marL="0" marR="0" lvl="0" indent="0" algn="ctr" defTabSz="914400" rtl="0" eaLnBrk="1" fontAlgn="auto" latinLnBrk="0" hangingPunct="1">
+                        <a:lnSpc>
+                          <a:spcPct val="100000"/>
+                        </a:lnSpc>
+                        <a:spcBef>
+                          <a:spcPts val="0"/>
+                        </a:spcBef>
+                        <a:spcAft>
+                          <a:spcPts val="0"/>
+                        </a:spcAft>
+                        <a:buClrTx/>
+                        <a:buSzTx/>
+                        <a:buFontTx/>
+                        <a:buNone/>
+                        <a:tabLst/>
+                        <a:defRPr/>
+                      </a:pPr>
+                      <a:r>
+                        <a:rPr lang="de-DE" sz="1200" dirty="0">
+                          <a:latin typeface="Arial" panose="020B0604020202020204" pitchFamily="34" charset="0"/>
+                          <a:cs typeface="Arial" panose="020B0604020202020204" pitchFamily="34" charset="0"/>
+                        </a:rPr>
+                        <a:t>–H(C)</a:t>
+                      </a:r>
                     </a:p>
                   </a:txBody>
                   <a:tcPr>
@@ -5656,17 +5779,20 @@
                   </a:ext>
                 </a:extLst>
               </a:tr>
-              <a:tr h="370840">
+              <a:tr h="274909">
                 <a:tc>
                   <a:txBody>
                     <a:bodyPr/>
                     <a:lstStyle/>
                     <a:p>
                       <a:pPr algn="ctr"/>
-                      <a:endParaRPr lang="de-DE" sz="1200">
-                        <a:latin typeface="Arial" panose="020B0604020202020204" pitchFamily="34" charset="0"/>
-                        <a:cs typeface="Arial" panose="020B0604020202020204" pitchFamily="34" charset="0"/>
-                      </a:endParaRPr>
+                      <a:r>
+                        <a:rPr lang="de-DE" sz="1200" dirty="0">
+                          <a:latin typeface="Arial" panose="020B0604020202020204" pitchFamily="34" charset="0"/>
+                          <a:cs typeface="Arial" panose="020B0604020202020204" pitchFamily="34" charset="0"/>
+                        </a:rPr>
+                        <a:t>13</a:t>
+                      </a:r>
                     </a:p>
                   </a:txBody>
                   <a:tcPr>
@@ -5692,10 +5818,13 @@
                     <a:lstStyle/>
                     <a:p>
                       <a:pPr algn="ctr"/>
-                      <a:endParaRPr lang="de-DE" sz="1200" dirty="0">
-                        <a:latin typeface="Arial" panose="020B0604020202020204" pitchFamily="34" charset="0"/>
-                        <a:cs typeface="Arial" panose="020B0604020202020204" pitchFamily="34" charset="0"/>
-                      </a:endParaRPr>
+                      <a:r>
+                        <a:rPr lang="de-DE" sz="1200" dirty="0">
+                          <a:latin typeface="Arial" panose="020B0604020202020204" pitchFamily="34" charset="0"/>
+                          <a:cs typeface="Arial" panose="020B0604020202020204" pitchFamily="34" charset="0"/>
+                        </a:rPr>
+                        <a:t>–H</a:t>
+                      </a:r>
                     </a:p>
                   </a:txBody>
                   <a:tcPr>
@@ -5727,11 +5856,30 @@
                     <a:bodyPr/>
                     <a:lstStyle/>
                     <a:p>
-                      <a:pPr algn="ctr"/>
-                      <a:endParaRPr lang="de-DE" sz="1200" dirty="0">
-                        <a:latin typeface="Arial" panose="020B0604020202020204" pitchFamily="34" charset="0"/>
-                        <a:cs typeface="Arial" panose="020B0604020202020204" pitchFamily="34" charset="0"/>
-                      </a:endParaRPr>
+                      <a:pPr marL="0" marR="0" lvl="0" indent="0" algn="ctr" defTabSz="914400" rtl="0" eaLnBrk="1" fontAlgn="auto" latinLnBrk="0" hangingPunct="1">
+                        <a:lnSpc>
+                          <a:spcPct val="100000"/>
+                        </a:lnSpc>
+                        <a:spcBef>
+                          <a:spcPts val="0"/>
+                        </a:spcBef>
+                        <a:spcAft>
+                          <a:spcPts val="0"/>
+                        </a:spcAft>
+                        <a:buClrTx/>
+                        <a:buSzTx/>
+                        <a:buFontTx/>
+                        <a:buNone/>
+                        <a:tabLst/>
+                        <a:defRPr/>
+                      </a:pPr>
+                      <a:r>
+                        <a:rPr lang="de-DE" sz="1200" dirty="0">
+                          <a:latin typeface="Arial" panose="020B0604020202020204" pitchFamily="34" charset="0"/>
+                          <a:cs typeface="Arial" panose="020B0604020202020204" pitchFamily="34" charset="0"/>
+                        </a:rPr>
+                        <a:t>–H(C)</a:t>
+                      </a:r>
                     </a:p>
                   </a:txBody>
                   <a:tcPr>
